--- a/02 Computational Multi-Fluid Dynamics (CMFD) 09212018.pptx
+++ b/02 Computational Multi-Fluid Dynamics (CMFD) 09212018.pptx
@@ -9,7 +9,8 @@
     <p:sldId id="257" r:id="rId3"/>
     <p:sldId id="260" r:id="rId4"/>
     <p:sldId id="262" r:id="rId5"/>
-    <p:sldId id="263" r:id="rId6"/>
+    <p:sldId id="264" r:id="rId6"/>
+    <p:sldId id="263" r:id="rId7"/>
   </p:sldIdLst>
   <p:sldSz cx="12192000" cy="6858000"/>
   <p:notesSz cx="6858000" cy="9144000"/>
@@ -4266,6 +4267,102 @@
           <p:cNvPr id="2" name="Título 1">
             <a:extLst>
               <a:ext uri="{FF2B5EF4-FFF2-40B4-BE49-F238E27FC236}">
+                <a16:creationId xmlns:a16="http://schemas.microsoft.com/office/drawing/2014/main" id="{7A60F07B-A33A-498C-A7D6-F35D962D58EA}"/>
+              </a:ext>
+            </a:extLst>
+          </p:cNvPr>
+          <p:cNvSpPr>
+            <a:spLocks noGrp="1"/>
+          </p:cNvSpPr>
+          <p:nvPr>
+            <p:ph type="title"/>
+          </p:nvPr>
+        </p:nvSpPr>
+        <p:spPr>
+          <a:xfrm>
+            <a:off x="838200" y="365125"/>
+            <a:ext cx="10515600" cy="1325563"/>
+          </a:xfrm>
+        </p:spPr>
+        <p:txBody>
+          <a:bodyPr/>
+          <a:lstStyle/>
+          <a:p>
+            <a:r>
+              <a:rPr lang="en-US"/>
+              <a:t>1.3. Applications</a:t>
+            </a:r>
+            <a:endParaRPr lang="es-CO" dirty="0"/>
+          </a:p>
+        </p:txBody>
+      </p:sp>
+      <p:pic>
+        <p:nvPicPr>
+          <p:cNvPr id="6" name="Marcador de contenido 5">
+            <a:extLst>
+              <a:ext uri="{FF2B5EF4-FFF2-40B4-BE49-F238E27FC236}">
+                <a16:creationId xmlns:a16="http://schemas.microsoft.com/office/drawing/2014/main" id="{538EEDB3-A11E-4956-B83C-1BE67CFC79F8}"/>
+              </a:ext>
+            </a:extLst>
+          </p:cNvPr>
+          <p:cNvPicPr>
+            <a:picLocks noGrp="1" noChangeAspect="1"/>
+          </p:cNvPicPr>
+          <p:nvPr>
+            <p:ph idx="1"/>
+          </p:nvPr>
+        </p:nvPicPr>
+        <p:blipFill>
+          <a:blip r:embed="rId2"/>
+          <a:stretch>
+            <a:fillRect/>
+          </a:stretch>
+        </p:blipFill>
+        <p:spPr>
+          <a:xfrm>
+            <a:off x="68579" y="1468073"/>
+            <a:ext cx="12093764" cy="3129093"/>
+          </a:xfrm>
+          <a:prstGeom prst="rect">
+            <a:avLst/>
+          </a:prstGeom>
+        </p:spPr>
+      </p:pic>
+    </p:spTree>
+    <p:extLst>
+      <p:ext uri="{BB962C8B-B14F-4D97-AF65-F5344CB8AC3E}">
+        <p14:creationId xmlns:p14="http://schemas.microsoft.com/office/powerpoint/2010/main" val="328917323"/>
+      </p:ext>
+    </p:extLst>
+  </p:cSld>
+  <p:clrMapOvr>
+    <a:masterClrMapping/>
+  </p:clrMapOvr>
+</p:sld>
+</file>
+
+<file path=ppt/slides/slide6.xml><?xml version="1.0" encoding="utf-8"?>
+<p:sld xmlns:a="http://schemas.openxmlformats.org/drawingml/2006/main" xmlns:r="http://schemas.openxmlformats.org/officeDocument/2006/relationships" xmlns:p="http://schemas.openxmlformats.org/presentationml/2006/main">
+  <p:cSld>
+    <p:spTree>
+      <p:nvGrpSpPr>
+        <p:cNvPr id="1" name=""/>
+        <p:cNvGrpSpPr/>
+        <p:nvPr/>
+      </p:nvGrpSpPr>
+      <p:grpSpPr>
+        <a:xfrm>
+          <a:off x="0" y="0"/>
+          <a:ext cx="0" cy="0"/>
+          <a:chOff x="0" y="0"/>
+          <a:chExt cx="0" cy="0"/>
+        </a:xfrm>
+      </p:grpSpPr>
+      <p:sp>
+        <p:nvSpPr>
+          <p:cNvPr id="2" name="Título 1">
+            <a:extLst>
+              <a:ext uri="{FF2B5EF4-FFF2-40B4-BE49-F238E27FC236}">
                 <a16:creationId xmlns:a16="http://schemas.microsoft.com/office/drawing/2014/main" id="{0C4B40DB-BB96-42FC-A0D9-433730D9AF93}"/>
               </a:ext>
             </a:extLst>
